--- a/14appshed/05 Quiz Show.pptx
+++ b/14appshed/05 Quiz Show.pptx
@@ -124,7 +124,7 @@
   </p:defaultTextStyle>
   <p:extLst>
     <p:ext uri="{EFAFB233-063F-42B5-8137-9DF3F51BA10A}">
-      <p15:sldGuideLst xmlns="" xmlns:p15="http://schemas.microsoft.com/office/powerpoint/2012/main">
+      <p15:sldGuideLst xmlns:p15="http://schemas.microsoft.com/office/powerpoint/2012/main" xmlns="">
         <p15:guide id="1" orient="horz" pos="2160">
           <p15:clr>
             <a:srgbClr val="A4A3A4"/>
@@ -138,7 +138,7 @@
       </p15:sldGuideLst>
     </p:ext>
     <p:ext uri="{2D200454-40CA-4A62-9FC3-DE9A4176ACB9}">
-      <p15:notesGuideLst xmlns="" xmlns:p15="http://schemas.microsoft.com/office/powerpoint/2012/main">
+      <p15:notesGuideLst xmlns:p15="http://schemas.microsoft.com/office/powerpoint/2012/main" xmlns="">
         <p15:guide id="1" orient="horz" pos="2880">
           <p15:clr>
             <a:srgbClr val="A4A3A4"/>
@@ -240,7 +240,7 @@
             <a:fld id="{54D4857D-62A5-486B-9129-468003D7E020}" type="datetimeFigureOut">
               <a:rPr lang="en-US" smtClean="0"/>
               <a:pPr/>
-              <a:t>7/7/2014</a:t>
+              <a:t>12/10/2016</a:t>
             </a:fld>
             <a:endParaRPr lang="en-US"/>
           </a:p>
@@ -318,7 +318,7 @@
     </p:spTree>
     <p:extLst>
       <p:ext uri="{BB962C8B-B14F-4D97-AF65-F5344CB8AC3E}">
-        <p14:creationId xmlns:p14="http://schemas.microsoft.com/office/powerpoint/2010/main" val="3153733109"/>
+        <p14:creationId xmlns:p14="http://schemas.microsoft.com/office/powerpoint/2010/main" xmlns="" val="3153733109"/>
       </p:ext>
     </p:extLst>
   </p:cSld>
@@ -411,7 +411,7 @@
             <a:fld id="{2D2EF2CE-B28C-4ED4-8FD0-48BB3F48846A}" type="datetimeFigureOut">
               <a:rPr lang="en-US" smtClean="0"/>
               <a:pPr/>
-              <a:t>7/7/2014</a:t>
+              <a:t>12/10/2016</a:t>
             </a:fld>
             <a:endParaRPr lang="en-US"/>
           </a:p>
@@ -589,7 +589,7 @@
     </p:spTree>
     <p:extLst>
       <p:ext uri="{BB962C8B-B14F-4D97-AF65-F5344CB8AC3E}">
-        <p14:creationId xmlns:p14="http://schemas.microsoft.com/office/powerpoint/2010/main" val="3369923816"/>
+        <p14:creationId xmlns:p14="http://schemas.microsoft.com/office/powerpoint/2010/main" xmlns="" val="3369923816"/>
       </p:ext>
     </p:extLst>
   </p:cSld>
@@ -769,7 +769,7 @@
     </p:spTree>
     <p:extLst>
       <p:ext uri="{BB962C8B-B14F-4D97-AF65-F5344CB8AC3E}">
-        <p14:creationId xmlns:p14="http://schemas.microsoft.com/office/powerpoint/2010/main" val="803442038"/>
+        <p14:creationId xmlns:p14="http://schemas.microsoft.com/office/powerpoint/2010/main" xmlns="" val="803442038"/>
       </p:ext>
     </p:extLst>
   </p:cSld>
@@ -858,7 +858,7 @@
     </p:spTree>
     <p:extLst>
       <p:ext uri="{BB962C8B-B14F-4D97-AF65-F5344CB8AC3E}">
-        <p14:creationId xmlns:p14="http://schemas.microsoft.com/office/powerpoint/2010/main" val="2657720628"/>
+        <p14:creationId xmlns:p14="http://schemas.microsoft.com/office/powerpoint/2010/main" xmlns="" val="2657720628"/>
       </p:ext>
     </p:extLst>
   </p:cSld>
@@ -947,7 +947,7 @@
     </p:spTree>
     <p:extLst>
       <p:ext uri="{BB962C8B-B14F-4D97-AF65-F5344CB8AC3E}">
-        <p14:creationId xmlns:p14="http://schemas.microsoft.com/office/powerpoint/2010/main" val="1543828205"/>
+        <p14:creationId xmlns:p14="http://schemas.microsoft.com/office/powerpoint/2010/main" xmlns="" val="1543828205"/>
       </p:ext>
     </p:extLst>
   </p:cSld>
@@ -1036,7 +1036,7 @@
     </p:spTree>
     <p:extLst>
       <p:ext uri="{BB962C8B-B14F-4D97-AF65-F5344CB8AC3E}">
-        <p14:creationId xmlns:p14="http://schemas.microsoft.com/office/powerpoint/2010/main" val="2893332837"/>
+        <p14:creationId xmlns:p14="http://schemas.microsoft.com/office/powerpoint/2010/main" xmlns="" val="2893332837"/>
       </p:ext>
     </p:extLst>
   </p:cSld>
@@ -1125,7 +1125,7 @@
     </p:spTree>
     <p:extLst>
       <p:ext uri="{BB962C8B-B14F-4D97-AF65-F5344CB8AC3E}">
-        <p14:creationId xmlns:p14="http://schemas.microsoft.com/office/powerpoint/2010/main" val="3295282684"/>
+        <p14:creationId xmlns:p14="http://schemas.microsoft.com/office/powerpoint/2010/main" xmlns="" val="3295282684"/>
       </p:ext>
     </p:extLst>
   </p:cSld>
@@ -1214,7 +1214,7 @@
     </p:spTree>
     <p:extLst>
       <p:ext uri="{BB962C8B-B14F-4D97-AF65-F5344CB8AC3E}">
-        <p14:creationId xmlns:p14="http://schemas.microsoft.com/office/powerpoint/2010/main" val="3281170859"/>
+        <p14:creationId xmlns:p14="http://schemas.microsoft.com/office/powerpoint/2010/main" xmlns="" val="3281170859"/>
       </p:ext>
     </p:extLst>
   </p:cSld>
@@ -2075,7 +2075,7 @@
             <a:fld id="{8F67D422-08A8-451B-9A67-21962FC4B660}" type="datetimeFigureOut">
               <a:rPr kumimoji="0" lang="en-US" sz="1100" smtClean="0"/>
               <a:pPr algn="r"/>
-              <a:t>7/7/2014</a:t>
+              <a:t>12/10/2016</a:t>
             </a:fld>
             <a:endParaRPr kumimoji="0" lang="en-US"/>
           </a:p>
@@ -2313,7 +2313,7 @@
             <a:fld id="{8F67D422-08A8-451B-9A67-21962FC4B660}" type="datetimeFigureOut">
               <a:rPr kumimoji="0" lang="en-US" sz="1100" smtClean="0"/>
               <a:pPr algn="r"/>
-              <a:t>7/7/2014</a:t>
+              <a:t>12/10/2016</a:t>
             </a:fld>
             <a:endParaRPr kumimoji="0" lang="en-US"/>
           </a:p>
@@ -2445,7 +2445,7 @@
             <a:fld id="{8F67D422-08A8-451B-9A67-21962FC4B660}" type="datetimeFigureOut">
               <a:rPr kumimoji="0" lang="en-US" sz="1100" smtClean="0"/>
               <a:pPr algn="r"/>
-              <a:t>7/7/2014</a:t>
+              <a:t>12/10/2016</a:t>
             </a:fld>
             <a:endParaRPr kumimoji="0" lang="en-US"/>
           </a:p>
@@ -2623,7 +2623,7 @@
             <a:fld id="{1BEBB2CB-903D-46EF-8227-E770ED8FF514}" type="datetimeFigureOut">
               <a:rPr kumimoji="0" lang="en-US" smtClean="0"/>
               <a:pPr/>
-              <a:t>7/7/2014</a:t>
+              <a:t>12/10/2016</a:t>
             </a:fld>
             <a:endParaRPr kumimoji="0" lang="en-US"/>
           </a:p>
@@ -3109,7 +3109,7 @@
             <a:fld id="{1BEBB2CB-903D-46EF-8227-E770ED8FF514}" type="datetimeFigureOut">
               <a:rPr kumimoji="0" lang="en-US" smtClean="0"/>
               <a:pPr/>
-              <a:t>7/7/2014</a:t>
+              <a:t>12/10/2016</a:t>
             </a:fld>
             <a:endParaRPr kumimoji="0" lang="en-US" dirty="0"/>
           </a:p>
@@ -3726,7 +3726,7 @@
             <a:fld id="{1BEBB2CB-903D-46EF-8227-E770ED8FF514}" type="datetimeFigureOut">
               <a:rPr kumimoji="0" lang="en-US" smtClean="0"/>
               <a:pPr/>
-              <a:t>7/7/2014</a:t>
+              <a:t>12/10/2016</a:t>
             </a:fld>
             <a:endParaRPr kumimoji="0" lang="en-US"/>
           </a:p>
@@ -4139,7 +4139,7 @@
             <a:fld id="{1BEBB2CB-903D-46EF-8227-E770ED8FF514}" type="datetimeFigureOut">
               <a:rPr kumimoji="0" lang="en-US" smtClean="0"/>
               <a:pPr/>
-              <a:t>7/7/2014</a:t>
+              <a:t>12/10/2016</a:t>
             </a:fld>
             <a:endParaRPr kumimoji="0" lang="en-US"/>
           </a:p>
@@ -4592,7 +4592,7 @@
             <a:fld id="{1BEBB2CB-903D-46EF-8227-E770ED8FF514}" type="datetimeFigureOut">
               <a:rPr kumimoji="0" lang="en-US" smtClean="0"/>
               <a:pPr/>
-              <a:t>7/7/2014</a:t>
+              <a:t>12/10/2016</a:t>
             </a:fld>
             <a:endParaRPr kumimoji="0" lang="en-US"/>
           </a:p>
@@ -5950,7 +5950,7 @@
             <a:fld id="{1BEBB2CB-903D-46EF-8227-E770ED8FF514}" type="datetimeFigureOut">
               <a:rPr kumimoji="0" lang="en-US" smtClean="0"/>
               <a:pPr/>
-              <a:t>7/7/2014</a:t>
+              <a:t>12/10/2016</a:t>
             </a:fld>
             <a:endParaRPr kumimoji="0" lang="en-US"/>
           </a:p>
@@ -7056,7 +7056,7 @@
             <a:fld id="{8F67D422-08A8-451B-9A67-21962FC4B660}" type="datetimeFigureOut">
               <a:rPr kumimoji="0" lang="en-US" sz="1100" smtClean="0"/>
               <a:pPr algn="r"/>
-              <a:t>7/7/2014</a:t>
+              <a:t>12/10/2016</a:t>
             </a:fld>
             <a:endParaRPr kumimoji="0" lang="en-US" sz="1050" dirty="0"/>
           </a:p>
@@ -8424,8 +8424,8 @@
           <p:nvPr/>
         </p:nvPicPr>
         <p:blipFill rotWithShape="1">
-          <a:blip r:embed="rId2"/>
-          <a:srcRect l="46044" t="35022" r="52368" b="62155"/>
+          <a:blip r:embed="rId2" cstate="email"/>
+          <a:srcRect/>
           <a:stretch/>
         </p:blipFill>
         <p:spPr>
@@ -8447,8 +8447,8 @@
           <p:nvPr/>
         </p:nvPicPr>
         <p:blipFill rotWithShape="1">
-          <a:blip r:embed="rId2"/>
-          <a:srcRect l="48770" t="33696" r="48049" b="61354"/>
+          <a:blip r:embed="rId3" cstate="email"/>
+          <a:srcRect/>
           <a:stretch/>
         </p:blipFill>
         <p:spPr>
@@ -8470,8 +8470,8 @@
           <p:nvPr/>
         </p:nvPicPr>
         <p:blipFill rotWithShape="1">
-          <a:blip r:embed="rId2"/>
-          <a:srcRect l="53264" t="45403" r="45692" b="50977"/>
+          <a:blip r:embed="rId4" cstate="email"/>
+          <a:srcRect/>
           <a:stretch/>
         </p:blipFill>
         <p:spPr>
@@ -8493,8 +8493,8 @@
           <p:nvPr/>
         </p:nvPicPr>
         <p:blipFill rotWithShape="1">
-          <a:blip r:embed="rId2"/>
-          <a:srcRect l="45330" t="57216" r="51222" b="40741"/>
+          <a:blip r:embed="rId5" cstate="email"/>
+          <a:srcRect/>
           <a:stretch/>
         </p:blipFill>
         <p:spPr>
@@ -8516,8 +8516,8 @@
           <p:nvPr/>
         </p:nvPicPr>
         <p:blipFill rotWithShape="1">
-          <a:blip r:embed="rId3"/>
-          <a:srcRect l="49217" t="45486" r="48732" b="50868"/>
+          <a:blip r:embed="rId6" cstate="email"/>
+          <a:srcRect/>
           <a:stretch/>
         </p:blipFill>
         <p:spPr>
@@ -8533,7 +8533,7 @@
     </p:spTree>
     <p:extLst>
       <p:ext uri="{BB962C8B-B14F-4D97-AF65-F5344CB8AC3E}">
-        <p14:creationId xmlns:p14="http://schemas.microsoft.com/office/powerpoint/2010/main" val="3004866253"/>
+        <p14:creationId xmlns:p14="http://schemas.microsoft.com/office/powerpoint/2010/main" xmlns="" val="3004866253"/>
       </p:ext>
     </p:extLst>
   </p:cSld>
@@ -8576,7 +8576,7 @@
           <p:nvPr/>
         </p:nvPicPr>
         <p:blipFill rotWithShape="1">
-          <a:blip r:embed="rId2"/>
+          <a:blip r:embed="rId2" cstate="email"/>
           <a:srcRect/>
           <a:stretch/>
         </p:blipFill>
@@ -9137,7 +9137,7 @@
     </p:spTree>
     <p:extLst>
       <p:ext uri="{BB962C8B-B14F-4D97-AF65-F5344CB8AC3E}">
-        <p14:creationId xmlns:p14="http://schemas.microsoft.com/office/powerpoint/2010/main" val="683293392"/>
+        <p14:creationId xmlns:p14="http://schemas.microsoft.com/office/powerpoint/2010/main" xmlns="" val="683293392"/>
       </p:ext>
     </p:extLst>
   </p:cSld>
@@ -9729,7 +9729,7 @@
     </p:spTree>
     <p:extLst>
       <p:ext uri="{BB962C8B-B14F-4D97-AF65-F5344CB8AC3E}">
-        <p14:creationId xmlns:p14="http://schemas.microsoft.com/office/powerpoint/2010/main" val="1197303076"/>
+        <p14:creationId xmlns:p14="http://schemas.microsoft.com/office/powerpoint/2010/main" xmlns="" val="1197303076"/>
       </p:ext>
     </p:extLst>
   </p:cSld>
@@ -9794,7 +9794,7 @@
     </p:spTree>
     <p:extLst>
       <p:ext uri="{BB962C8B-B14F-4D97-AF65-F5344CB8AC3E}">
-        <p14:creationId xmlns:p14="http://schemas.microsoft.com/office/powerpoint/2010/main" val="2910008675"/>
+        <p14:creationId xmlns:p14="http://schemas.microsoft.com/office/powerpoint/2010/main" xmlns="" val="2910008675"/>
       </p:ext>
     </p:extLst>
   </p:cSld>
@@ -9979,7 +9979,7 @@
     </p:spTree>
     <p:extLst>
       <p:ext uri="{BB962C8B-B14F-4D97-AF65-F5344CB8AC3E}">
-        <p14:creationId xmlns:p14="http://schemas.microsoft.com/office/powerpoint/2010/main" val="2664228272"/>
+        <p14:creationId xmlns:p14="http://schemas.microsoft.com/office/powerpoint/2010/main" xmlns="" val="2664228272"/>
       </p:ext>
     </p:extLst>
   </p:cSld>
@@ -10057,7 +10057,7 @@
     </p:spTree>
     <p:extLst>
       <p:ext uri="{BB962C8B-B14F-4D97-AF65-F5344CB8AC3E}">
-        <p14:creationId xmlns:p14="http://schemas.microsoft.com/office/powerpoint/2010/main" val="4280805021"/>
+        <p14:creationId xmlns:p14="http://schemas.microsoft.com/office/powerpoint/2010/main" xmlns="" val="4280805021"/>
       </p:ext>
     </p:extLst>
   </p:cSld>
@@ -10196,7 +10196,7 @@
     </p:spTree>
     <p:extLst>
       <p:ext uri="{BB962C8B-B14F-4D97-AF65-F5344CB8AC3E}">
-        <p14:creationId xmlns:p14="http://schemas.microsoft.com/office/powerpoint/2010/main" val="1817774430"/>
+        <p14:creationId xmlns:p14="http://schemas.microsoft.com/office/powerpoint/2010/main" xmlns="" val="1817774430"/>
       </p:ext>
     </p:extLst>
   </p:cSld>
@@ -10975,8 +10975,8 @@
           <p:nvPr/>
         </p:nvPicPr>
         <p:blipFill rotWithShape="1">
-          <a:blip r:embed="rId2"/>
-          <a:srcRect l="45000" t="31667" r="24063" b="10000"/>
+          <a:blip r:embed="rId2" cstate="email"/>
+          <a:srcRect/>
           <a:stretch/>
         </p:blipFill>
         <p:spPr>
@@ -11036,7 +11036,7 @@
     </p:spTree>
     <p:extLst>
       <p:ext uri="{BB962C8B-B14F-4D97-AF65-F5344CB8AC3E}">
-        <p14:creationId xmlns:p14="http://schemas.microsoft.com/office/powerpoint/2010/main" val="296925726"/>
+        <p14:creationId xmlns:p14="http://schemas.microsoft.com/office/powerpoint/2010/main" xmlns="" val="296925726"/>
       </p:ext>
     </p:extLst>
   </p:cSld>
@@ -11619,7 +11619,7 @@
     </p:spTree>
     <p:extLst>
       <p:ext uri="{BB962C8B-B14F-4D97-AF65-F5344CB8AC3E}">
-        <p14:creationId xmlns:p14="http://schemas.microsoft.com/office/powerpoint/2010/main" val="449471924"/>
+        <p14:creationId xmlns:p14="http://schemas.microsoft.com/office/powerpoint/2010/main" xmlns="" val="449471924"/>
       </p:ext>
     </p:extLst>
   </p:cSld>
